--- a/trunk/documents/thesis/TQLBO-paper/marco teorico/teaser_cup.pptx
+++ b/trunk/documents/thesis/TQLBO-paper/marco teorico/teaser_cup.pptx
@@ -288,7 +288,7 @@
           <a:p>
             <a:fld id="{83EE10F3-3B7A-495D-B748-9D0E885CF445}" type="datetimeFigureOut">
               <a:rPr lang="es-CO" smtClean="0"/>
-              <a:t>17/12/2012</a:t>
+              <a:t>18/12/2012</a:t>
             </a:fld>
             <a:endParaRPr lang="es-CO"/>
           </a:p>
@@ -458,7 +458,7 @@
           <a:p>
             <a:fld id="{83EE10F3-3B7A-495D-B748-9D0E885CF445}" type="datetimeFigureOut">
               <a:rPr lang="es-CO" smtClean="0"/>
-              <a:t>17/12/2012</a:t>
+              <a:t>18/12/2012</a:t>
             </a:fld>
             <a:endParaRPr lang="es-CO"/>
           </a:p>
@@ -638,7 +638,7 @@
           <a:p>
             <a:fld id="{83EE10F3-3B7A-495D-B748-9D0E885CF445}" type="datetimeFigureOut">
               <a:rPr lang="es-CO" smtClean="0"/>
-              <a:t>17/12/2012</a:t>
+              <a:t>18/12/2012</a:t>
             </a:fld>
             <a:endParaRPr lang="es-CO"/>
           </a:p>
@@ -808,7 +808,7 @@
           <a:p>
             <a:fld id="{83EE10F3-3B7A-495D-B748-9D0E885CF445}" type="datetimeFigureOut">
               <a:rPr lang="es-CO" smtClean="0"/>
-              <a:t>17/12/2012</a:t>
+              <a:t>18/12/2012</a:t>
             </a:fld>
             <a:endParaRPr lang="es-CO"/>
           </a:p>
@@ -1054,7 +1054,7 @@
           <a:p>
             <a:fld id="{83EE10F3-3B7A-495D-B748-9D0E885CF445}" type="datetimeFigureOut">
               <a:rPr lang="es-CO" smtClean="0"/>
-              <a:t>17/12/2012</a:t>
+              <a:t>18/12/2012</a:t>
             </a:fld>
             <a:endParaRPr lang="es-CO"/>
           </a:p>
@@ -1342,7 +1342,7 @@
           <a:p>
             <a:fld id="{83EE10F3-3B7A-495D-B748-9D0E885CF445}" type="datetimeFigureOut">
               <a:rPr lang="es-CO" smtClean="0"/>
-              <a:t>17/12/2012</a:t>
+              <a:t>18/12/2012</a:t>
             </a:fld>
             <a:endParaRPr lang="es-CO"/>
           </a:p>
@@ -1769,7 +1769,7 @@
           <a:p>
             <a:fld id="{83EE10F3-3B7A-495D-B748-9D0E885CF445}" type="datetimeFigureOut">
               <a:rPr lang="es-CO" smtClean="0"/>
-              <a:t>17/12/2012</a:t>
+              <a:t>18/12/2012</a:t>
             </a:fld>
             <a:endParaRPr lang="es-CO"/>
           </a:p>
@@ -1887,7 +1887,7 @@
           <a:p>
             <a:fld id="{83EE10F3-3B7A-495D-B748-9D0E885CF445}" type="datetimeFigureOut">
               <a:rPr lang="es-CO" smtClean="0"/>
-              <a:t>17/12/2012</a:t>
+              <a:t>18/12/2012</a:t>
             </a:fld>
             <a:endParaRPr lang="es-CO"/>
           </a:p>
@@ -1982,7 +1982,7 @@
           <a:p>
             <a:fld id="{83EE10F3-3B7A-495D-B748-9D0E885CF445}" type="datetimeFigureOut">
               <a:rPr lang="es-CO" smtClean="0"/>
-              <a:t>17/12/2012</a:t>
+              <a:t>18/12/2012</a:t>
             </a:fld>
             <a:endParaRPr lang="es-CO"/>
           </a:p>
@@ -2259,7 +2259,7 @@
           <a:p>
             <a:fld id="{83EE10F3-3B7A-495D-B748-9D0E885CF445}" type="datetimeFigureOut">
               <a:rPr lang="es-CO" smtClean="0"/>
-              <a:t>17/12/2012</a:t>
+              <a:t>18/12/2012</a:t>
             </a:fld>
             <a:endParaRPr lang="es-CO"/>
           </a:p>
@@ -2512,7 +2512,7 @@
           <a:p>
             <a:fld id="{83EE10F3-3B7A-495D-B748-9D0E885CF445}" type="datetimeFigureOut">
               <a:rPr lang="es-CO" smtClean="0"/>
-              <a:t>17/12/2012</a:t>
+              <a:t>18/12/2012</a:t>
             </a:fld>
             <a:endParaRPr lang="es-CO"/>
           </a:p>
@@ -2725,7 +2725,7 @@
           <a:p>
             <a:fld id="{83EE10F3-3B7A-495D-B748-9D0E885CF445}" type="datetimeFigureOut">
               <a:rPr lang="es-CO" smtClean="0"/>
-              <a:t>17/12/2012</a:t>
+              <a:t>18/12/2012</a:t>
             </a:fld>
             <a:endParaRPr lang="es-CO"/>
           </a:p>
@@ -3143,6 +3143,255 @@
       </p:pic>
       <p:graphicFrame>
         <p:nvGraphicFramePr>
+          <p:cNvPr id="18" name="17 Objeto"/>
+          <p:cNvGraphicFramePr>
+            <a:graphicFrameLocks noChangeAspect="1"/>
+          </p:cNvGraphicFramePr>
+          <p:nvPr>
+            <p:extLst>
+              <p:ext uri="{D42A27DB-BD31-4B8C-83A1-F6EECF244321}">
+                <p14:modId xmlns:p14="http://schemas.microsoft.com/office/powerpoint/2010/main" val="2769134674"/>
+              </p:ext>
+            </p:extLst>
+          </p:nvPr>
+        </p:nvGraphicFramePr>
+        <p:xfrm>
+          <a:off x="14915083" y="5820122"/>
+          <a:ext cx="396875" cy="374650"/>
+        </p:xfrm>
+        <a:graphic>
+          <a:graphicData uri="http://schemas.openxmlformats.org/presentationml/2006/ole">
+            <mc:AlternateContent xmlns:mc="http://schemas.openxmlformats.org/markup-compatibility/2006">
+              <mc:Choice xmlns:v="urn:schemas-microsoft-com:vml" Requires="v">
+                <p:oleObj spid="_x0000_s1132" name="Ecuación" r:id="rId4" imgW="215640" imgH="203040" progId="Equation.3">
+                  <p:embed/>
+                </p:oleObj>
+              </mc:Choice>
+              <mc:Fallback>
+                <p:oleObj name="Ecuación" r:id="rId4" imgW="215640" imgH="203040" progId="Equation.3">
+                  <p:embed/>
+                  <p:pic>
+                    <p:nvPicPr>
+                      <p:cNvPr id="0" name="6 Objeto"/>
+                      <p:cNvPicPr>
+                        <a:picLocks noChangeAspect="1" noChangeArrowheads="1"/>
+                      </p:cNvPicPr>
+                      <p:nvPr/>
+                    </p:nvPicPr>
+                    <p:blipFill>
+                      <a:blip r:embed="rId5"/>
+                      <a:srcRect/>
+                      <a:stretch>
+                        <a:fillRect/>
+                      </a:stretch>
+                    </p:blipFill>
+                    <p:spPr bwMode="auto">
+                      <a:xfrm>
+                        <a:off x="14915083" y="5820122"/>
+                        <a:ext cx="396875" cy="374650"/>
+                      </a:xfrm>
+                      <a:prstGeom prst="rect">
+                        <a:avLst/>
+                      </a:prstGeom>
+                      <a:noFill/>
+                      <a:ln>
+                        <a:noFill/>
+                      </a:ln>
+                      <a:extLst>
+                        <a:ext uri="{909E8E84-426E-40DD-AFC4-6F175D3DCCD1}">
+                          <a14:hiddenFill xmlns:a14="http://schemas.microsoft.com/office/drawing/2010/main">
+                            <a:solidFill>
+                              <a:srgbClr val="FFFFFF"/>
+                            </a:solidFill>
+                          </a14:hiddenFill>
+                        </a:ext>
+                        <a:ext uri="{91240B29-F687-4F45-9708-019B960494DF}">
+                          <a14:hiddenLine xmlns:a14="http://schemas.microsoft.com/office/drawing/2010/main" w="9525">
+                            <a:solidFill>
+                              <a:srgbClr val="000000"/>
+                            </a:solidFill>
+                            <a:miter lim="800000"/>
+                            <a:headEnd/>
+                            <a:tailEnd/>
+                          </a14:hiddenLine>
+                        </a:ext>
+                      </a:extLst>
+                    </p:spPr>
+                  </p:pic>
+                </p:oleObj>
+              </mc:Fallback>
+            </mc:AlternateContent>
+          </a:graphicData>
+        </a:graphic>
+      </p:graphicFrame>
+      <p:graphicFrame>
+        <p:nvGraphicFramePr>
+          <p:cNvPr id="20" name="19 Objeto"/>
+          <p:cNvGraphicFramePr>
+            <a:graphicFrameLocks noChangeAspect="1"/>
+          </p:cNvGraphicFramePr>
+          <p:nvPr>
+            <p:extLst>
+              <p:ext uri="{D42A27DB-BD31-4B8C-83A1-F6EECF244321}">
+                <p14:modId xmlns:p14="http://schemas.microsoft.com/office/powerpoint/2010/main" val="350431006"/>
+              </p:ext>
+            </p:extLst>
+          </p:nvPr>
+        </p:nvGraphicFramePr>
+        <p:xfrm>
+          <a:off x="1820988" y="5847357"/>
+          <a:ext cx="420687" cy="374650"/>
+        </p:xfrm>
+        <a:graphic>
+          <a:graphicData uri="http://schemas.openxmlformats.org/presentationml/2006/ole">
+            <mc:AlternateContent xmlns:mc="http://schemas.openxmlformats.org/markup-compatibility/2006">
+              <mc:Choice xmlns:v="urn:schemas-microsoft-com:vml" Requires="v">
+                <p:oleObj spid="_x0000_s1133" name="Ecuación" r:id="rId6" imgW="228600" imgH="203040" progId="Equation.3">
+                  <p:embed/>
+                </p:oleObj>
+              </mc:Choice>
+              <mc:Fallback>
+                <p:oleObj name="Ecuación" r:id="rId6" imgW="228600" imgH="203040" progId="Equation.3">
+                  <p:embed/>
+                  <p:pic>
+                    <p:nvPicPr>
+                      <p:cNvPr id="0" name="17 Objeto"/>
+                      <p:cNvPicPr>
+                        <a:picLocks noChangeAspect="1" noChangeArrowheads="1"/>
+                      </p:cNvPicPr>
+                      <p:nvPr/>
+                    </p:nvPicPr>
+                    <p:blipFill>
+                      <a:blip r:embed="rId7"/>
+                      <a:srcRect/>
+                      <a:stretch>
+                        <a:fillRect/>
+                      </a:stretch>
+                    </p:blipFill>
+                    <p:spPr bwMode="auto">
+                      <a:xfrm>
+                        <a:off x="1820988" y="5847357"/>
+                        <a:ext cx="420687" cy="374650"/>
+                      </a:xfrm>
+                      <a:prstGeom prst="rect">
+                        <a:avLst/>
+                      </a:prstGeom>
+                      <a:noFill/>
+                      <a:ln>
+                        <a:noFill/>
+                      </a:ln>
+                      <a:extLst>
+                        <a:ext uri="{909E8E84-426E-40DD-AFC4-6F175D3DCCD1}">
+                          <a14:hiddenFill xmlns:a14="http://schemas.microsoft.com/office/drawing/2010/main">
+                            <a:solidFill>
+                              <a:srgbClr val="FFFFFF"/>
+                            </a:solidFill>
+                          </a14:hiddenFill>
+                        </a:ext>
+                        <a:ext uri="{91240B29-F687-4F45-9708-019B960494DF}">
+                          <a14:hiddenLine xmlns:a14="http://schemas.microsoft.com/office/drawing/2010/main" w="9525">
+                            <a:solidFill>
+                              <a:srgbClr val="000000"/>
+                            </a:solidFill>
+                            <a:miter lim="800000"/>
+                            <a:headEnd/>
+                            <a:tailEnd/>
+                          </a14:hiddenLine>
+                        </a:ext>
+                      </a:extLst>
+                    </p:spPr>
+                  </p:pic>
+                </p:oleObj>
+              </mc:Fallback>
+            </mc:AlternateContent>
+          </a:graphicData>
+        </a:graphic>
+      </p:graphicFrame>
+      <p:graphicFrame>
+        <p:nvGraphicFramePr>
+          <p:cNvPr id="21" name="20 Objeto"/>
+          <p:cNvGraphicFramePr>
+            <a:graphicFrameLocks noChangeAspect="1"/>
+          </p:cNvGraphicFramePr>
+          <p:nvPr>
+            <p:extLst>
+              <p:ext uri="{D42A27DB-BD31-4B8C-83A1-F6EECF244321}">
+                <p14:modId xmlns:p14="http://schemas.microsoft.com/office/powerpoint/2010/main" val="3369857068"/>
+              </p:ext>
+            </p:extLst>
+          </p:nvPr>
+        </p:nvGraphicFramePr>
+        <p:xfrm>
+          <a:off x="4545931" y="5877520"/>
+          <a:ext cx="420687" cy="374650"/>
+        </p:xfrm>
+        <a:graphic>
+          <a:graphicData uri="http://schemas.openxmlformats.org/presentationml/2006/ole">
+            <mc:AlternateContent xmlns:mc="http://schemas.openxmlformats.org/markup-compatibility/2006">
+              <mc:Choice xmlns:v="urn:schemas-microsoft-com:vml" Requires="v">
+                <p:oleObj spid="_x0000_s1134" name="Ecuación" r:id="rId8" imgW="228600" imgH="203040" progId="Equation.3">
+                  <p:embed/>
+                </p:oleObj>
+              </mc:Choice>
+              <mc:Fallback>
+                <p:oleObj name="Ecuación" r:id="rId8" imgW="228600" imgH="203040" progId="Equation.3">
+                  <p:embed/>
+                  <p:pic>
+                    <p:nvPicPr>
+                      <p:cNvPr id="0" name="18 Objeto"/>
+                      <p:cNvPicPr>
+                        <a:picLocks noChangeAspect="1" noChangeArrowheads="1"/>
+                      </p:cNvPicPr>
+                      <p:nvPr/>
+                    </p:nvPicPr>
+                    <p:blipFill>
+                      <a:blip r:embed="rId9"/>
+                      <a:srcRect/>
+                      <a:stretch>
+                        <a:fillRect/>
+                      </a:stretch>
+                    </p:blipFill>
+                    <p:spPr bwMode="auto">
+                      <a:xfrm>
+                        <a:off x="4545931" y="5877520"/>
+                        <a:ext cx="420687" cy="374650"/>
+                      </a:xfrm>
+                      <a:prstGeom prst="rect">
+                        <a:avLst/>
+                      </a:prstGeom>
+                      <a:noFill/>
+                      <a:ln>
+                        <a:noFill/>
+                      </a:ln>
+                      <a:extLst>
+                        <a:ext uri="{909E8E84-426E-40DD-AFC4-6F175D3DCCD1}">
+                          <a14:hiddenFill xmlns:a14="http://schemas.microsoft.com/office/drawing/2010/main">
+                            <a:solidFill>
+                              <a:srgbClr val="FFFFFF"/>
+                            </a:solidFill>
+                          </a14:hiddenFill>
+                        </a:ext>
+                        <a:ext uri="{91240B29-F687-4F45-9708-019B960494DF}">
+                          <a14:hiddenLine xmlns:a14="http://schemas.microsoft.com/office/drawing/2010/main" w="9525">
+                            <a:solidFill>
+                              <a:srgbClr val="000000"/>
+                            </a:solidFill>
+                            <a:miter lim="800000"/>
+                            <a:headEnd/>
+                            <a:tailEnd/>
+                          </a14:hiddenLine>
+                        </a:ext>
+                      </a:extLst>
+                    </p:spPr>
+                  </p:pic>
+                </p:oleObj>
+              </mc:Fallback>
+            </mc:AlternateContent>
+          </a:graphicData>
+        </a:graphic>
+      </p:graphicFrame>
+      <p:graphicFrame>
+        <p:nvGraphicFramePr>
           <p:cNvPr id="6" name="5 Objeto"/>
           <p:cNvGraphicFramePr>
             <a:graphicFrameLocks noChangeAspect="1"/>
@@ -3163,12 +3412,12 @@
           <a:graphicData uri="http://schemas.openxmlformats.org/presentationml/2006/ole">
             <mc:AlternateContent xmlns:mc="http://schemas.openxmlformats.org/markup-compatibility/2006">
               <mc:Choice xmlns:v="urn:schemas-microsoft-com:vml" Requires="v">
-                <p:oleObj spid="_x0000_s1100" name="Ecuación" r:id="rId4" imgW="1180800" imgH="228600" progId="Equation.3">
+                <p:oleObj spid="_x0000_s1135" name="Ecuación" r:id="rId10" imgW="1180800" imgH="228600" progId="Equation.3">
                   <p:embed/>
                 </p:oleObj>
               </mc:Choice>
               <mc:Fallback>
-                <p:oleObj name="Ecuación" r:id="rId4" imgW="1180800" imgH="228600" progId="Equation.3">
+                <p:oleObj name="Ecuación" r:id="rId10" imgW="1180800" imgH="228600" progId="Equation.3">
                   <p:embed/>
                   <p:pic>
                     <p:nvPicPr>
@@ -3179,7 +3428,7 @@
                       <p:nvPr/>
                     </p:nvPicPr>
                     <p:blipFill>
-                      <a:blip r:embed="rId5"/>
+                      <a:blip r:embed="rId11"/>
                       <a:srcRect/>
                       <a:stretch>
                         <a:fillRect/>
@@ -3214,25 +3463,25 @@
           <p:nvPr>
             <p:extLst>
               <p:ext uri="{D42A27DB-BD31-4B8C-83A1-F6EECF244321}">
-                <p14:modId xmlns:p14="http://schemas.microsoft.com/office/powerpoint/2010/main" val="2667629202"/>
+                <p14:modId xmlns:p14="http://schemas.microsoft.com/office/powerpoint/2010/main" val="240197154"/>
               </p:ext>
             </p:extLst>
           </p:nvPr>
         </p:nvGraphicFramePr>
         <p:xfrm>
-          <a:off x="6562155" y="347663"/>
+          <a:off x="6130107" y="359537"/>
           <a:ext cx="2031975" cy="420025"/>
         </p:xfrm>
         <a:graphic>
           <a:graphicData uri="http://schemas.openxmlformats.org/presentationml/2006/ole">
             <mc:AlternateContent xmlns:mc="http://schemas.openxmlformats.org/markup-compatibility/2006">
               <mc:Choice xmlns:v="urn:schemas-microsoft-com:vml" Requires="v">
-                <p:oleObj spid="_x0000_s1101" name="Ecuación" r:id="rId6" imgW="1104840" imgH="228600" progId="Equation.3">
+                <p:oleObj spid="_x0000_s1136" name="Ecuación" r:id="rId12" imgW="1104840" imgH="228600" progId="Equation.3">
                   <p:embed/>
                 </p:oleObj>
               </mc:Choice>
               <mc:Fallback>
-                <p:oleObj name="Ecuación" r:id="rId6" imgW="1104840" imgH="228600" progId="Equation.3">
+                <p:oleObj name="Ecuación" r:id="rId12" imgW="1104840" imgH="228600" progId="Equation.3">
                   <p:embed/>
                   <p:pic>
                     <p:nvPicPr>
@@ -3243,7 +3492,7 @@
                       <p:nvPr/>
                     </p:nvPicPr>
                     <p:blipFill>
-                      <a:blip r:embed="rId7"/>
+                      <a:blip r:embed="rId13"/>
                       <a:srcRect/>
                       <a:stretch>
                         <a:fillRect/>
@@ -3251,7 +3500,7 @@
                     </p:blipFill>
                     <p:spPr bwMode="auto">
                       <a:xfrm>
-                        <a:off x="6562155" y="347663"/>
+                        <a:off x="6130107" y="359537"/>
                         <a:ext cx="2031975" cy="420025"/>
                       </a:xfrm>
                       <a:prstGeom prst="rect">
@@ -3278,25 +3527,25 @@
           <p:nvPr>
             <p:extLst>
               <p:ext uri="{D42A27DB-BD31-4B8C-83A1-F6EECF244321}">
-                <p14:modId xmlns:p14="http://schemas.microsoft.com/office/powerpoint/2010/main" val="2013647698"/>
+                <p14:modId xmlns:p14="http://schemas.microsoft.com/office/powerpoint/2010/main" val="1607695010"/>
               </p:ext>
             </p:extLst>
           </p:nvPr>
         </p:nvGraphicFramePr>
         <p:xfrm>
-          <a:off x="11939588" y="360363"/>
+          <a:off x="12034763" y="360363"/>
           <a:ext cx="2195512" cy="419100"/>
         </p:xfrm>
         <a:graphic>
           <a:graphicData uri="http://schemas.openxmlformats.org/presentationml/2006/ole">
             <mc:AlternateContent xmlns:mc="http://schemas.openxmlformats.org/markup-compatibility/2006">
               <mc:Choice xmlns:v="urn:schemas-microsoft-com:vml" Requires="v">
-                <p:oleObj spid="_x0000_s1102" name="Ecuación" r:id="rId8" imgW="1193760" imgH="228600" progId="Equation.3">
+                <p:oleObj spid="_x0000_s1137" name="Ecuación" r:id="rId14" imgW="1193760" imgH="228600" progId="Equation.3">
                   <p:embed/>
                 </p:oleObj>
               </mc:Choice>
               <mc:Fallback>
-                <p:oleObj name="Ecuación" r:id="rId8" imgW="1193760" imgH="228600" progId="Equation.3">
+                <p:oleObj name="Ecuación" r:id="rId14" imgW="1193760" imgH="228600" progId="Equation.3">
                   <p:embed/>
                   <p:pic>
                     <p:nvPicPr>
@@ -3307,7 +3556,7 @@
                       <p:nvPr/>
                     </p:nvPicPr>
                     <p:blipFill>
-                      <a:blip r:embed="rId9"/>
+                      <a:blip r:embed="rId15"/>
                       <a:srcRect/>
                       <a:stretch>
                         <a:fillRect/>
@@ -3315,7 +3564,7 @@
                     </p:blipFill>
                     <p:spPr bwMode="auto">
                       <a:xfrm>
-                        <a:off x="11939588" y="360363"/>
+                        <a:off x="12034763" y="360363"/>
                         <a:ext cx="2195512" cy="419100"/>
                       </a:xfrm>
                       <a:prstGeom prst="rect">
@@ -3361,25 +3610,25 @@
           <p:nvPr>
             <p:extLst>
               <p:ext uri="{D42A27DB-BD31-4B8C-83A1-F6EECF244321}">
-                <p14:modId xmlns:p14="http://schemas.microsoft.com/office/powerpoint/2010/main" val="1964607085"/>
+                <p14:modId xmlns:p14="http://schemas.microsoft.com/office/powerpoint/2010/main" val="2880548812"/>
               </p:ext>
             </p:extLst>
           </p:nvPr>
         </p:nvGraphicFramePr>
         <p:xfrm>
-          <a:off x="6469063" y="6180138"/>
+          <a:off x="6058099" y="6180138"/>
           <a:ext cx="2219325" cy="420687"/>
         </p:xfrm>
         <a:graphic>
           <a:graphicData uri="http://schemas.openxmlformats.org/presentationml/2006/ole">
             <mc:AlternateContent xmlns:mc="http://schemas.openxmlformats.org/markup-compatibility/2006">
               <mc:Choice xmlns:v="urn:schemas-microsoft-com:vml" Requires="v">
-                <p:oleObj spid="_x0000_s1103" name="Ecuación" r:id="rId10" imgW="1206360" imgH="228600" progId="Equation.3">
+                <p:oleObj spid="_x0000_s1138" name="Ecuación" r:id="rId16" imgW="1206360" imgH="228600" progId="Equation.3">
                   <p:embed/>
                 </p:oleObj>
               </mc:Choice>
               <mc:Fallback>
-                <p:oleObj name="Ecuación" r:id="rId10" imgW="1206360" imgH="228600" progId="Equation.3">
+                <p:oleObj name="Ecuación" r:id="rId16" imgW="1206360" imgH="228600" progId="Equation.3">
                   <p:embed/>
                   <p:pic>
                     <p:nvPicPr>
@@ -3390,7 +3639,7 @@
                       <p:nvPr/>
                     </p:nvPicPr>
                     <p:blipFill>
-                      <a:blip r:embed="rId11"/>
+                      <a:blip r:embed="rId17"/>
                       <a:srcRect/>
                       <a:stretch>
                         <a:fillRect/>
@@ -3398,7 +3647,7 @@
                     </p:blipFill>
                     <p:spPr bwMode="auto">
                       <a:xfrm>
-                        <a:off x="6469063" y="6180138"/>
+                        <a:off x="6058099" y="6180138"/>
                         <a:ext cx="2219325" cy="420687"/>
                       </a:xfrm>
                       <a:prstGeom prst="rect">
@@ -3457,12 +3706,12 @@
           <a:graphicData uri="http://schemas.openxmlformats.org/presentationml/2006/ole">
             <mc:AlternateContent xmlns:mc="http://schemas.openxmlformats.org/markup-compatibility/2006">
               <mc:Choice xmlns:v="urn:schemas-microsoft-com:vml" Requires="v">
-                <p:oleObj spid="_x0000_s1104" name="Ecuación" r:id="rId12" imgW="1295280" imgH="228600" progId="Equation.3">
+                <p:oleObj spid="_x0000_s1139" name="Ecuación" r:id="rId18" imgW="1295280" imgH="228600" progId="Equation.3">
                   <p:embed/>
                 </p:oleObj>
               </mc:Choice>
               <mc:Fallback>
-                <p:oleObj name="Ecuación" r:id="rId12" imgW="1295280" imgH="228600" progId="Equation.3">
+                <p:oleObj name="Ecuación" r:id="rId18" imgW="1295280" imgH="228600" progId="Equation.3">
                   <p:embed/>
                   <p:pic>
                     <p:nvPicPr>
@@ -3473,7 +3722,7 @@
                       <p:nvPr/>
                     </p:nvPicPr>
                     <p:blipFill>
-                      <a:blip r:embed="rId13"/>
+                      <a:blip r:embed="rId19"/>
                       <a:srcRect/>
                       <a:stretch>
                         <a:fillRect/>
@@ -3527,25 +3776,25 @@
           <p:nvPr>
             <p:extLst>
               <p:ext uri="{D42A27DB-BD31-4B8C-83A1-F6EECF244321}">
-                <p14:modId xmlns:p14="http://schemas.microsoft.com/office/powerpoint/2010/main" val="767836266"/>
+                <p14:modId xmlns:p14="http://schemas.microsoft.com/office/powerpoint/2010/main" val="2113669109"/>
               </p:ext>
             </p:extLst>
           </p:nvPr>
         </p:nvGraphicFramePr>
         <p:xfrm>
-          <a:off x="11776075" y="6192838"/>
+          <a:off x="12104513" y="6192838"/>
           <a:ext cx="2522538" cy="419100"/>
         </p:xfrm>
         <a:graphic>
           <a:graphicData uri="http://schemas.openxmlformats.org/presentationml/2006/ole">
             <mc:AlternateContent xmlns:mc="http://schemas.openxmlformats.org/markup-compatibility/2006">
               <mc:Choice xmlns:v="urn:schemas-microsoft-com:vml" Requires="v">
-                <p:oleObj spid="_x0000_s1105" name="Ecuación" r:id="rId14" imgW="1371600" imgH="228600" progId="Equation.3">
+                <p:oleObj spid="_x0000_s1140" name="Ecuación" r:id="rId20" imgW="1371600" imgH="228600" progId="Equation.3">
                   <p:embed/>
                 </p:oleObj>
               </mc:Choice>
               <mc:Fallback>
-                <p:oleObj name="Ecuación" r:id="rId14" imgW="1371600" imgH="228600" progId="Equation.3">
+                <p:oleObj name="Ecuación" r:id="rId20" imgW="1371600" imgH="228600" progId="Equation.3">
                   <p:embed/>
                   <p:pic>
                     <p:nvPicPr>
@@ -3556,7 +3805,7 @@
                       <p:nvPr/>
                     </p:nvPicPr>
                     <p:blipFill>
-                      <a:blip r:embed="rId15"/>
+                      <a:blip r:embed="rId21"/>
                       <a:srcRect/>
                       <a:stretch>
                         <a:fillRect/>
@@ -3564,7 +3813,7 @@
                     </p:blipFill>
                     <p:spPr bwMode="auto">
                       <a:xfrm>
-                        <a:off x="11776075" y="6192838"/>
+                        <a:off x="12104513" y="6192838"/>
                         <a:ext cx="2522538" cy="419100"/>
                       </a:xfrm>
                       <a:prstGeom prst="rect">
@@ -3610,25 +3859,25 @@
           <p:nvPr>
             <p:extLst>
               <p:ext uri="{D42A27DB-BD31-4B8C-83A1-F6EECF244321}">
-                <p14:modId xmlns:p14="http://schemas.microsoft.com/office/powerpoint/2010/main" val="2881715312"/>
+                <p14:modId xmlns:p14="http://schemas.microsoft.com/office/powerpoint/2010/main" val="560212354"/>
               </p:ext>
             </p:extLst>
           </p:nvPr>
         </p:nvGraphicFramePr>
         <p:xfrm>
-          <a:off x="19185209" y="347514"/>
+          <a:off x="18753161" y="347514"/>
           <a:ext cx="2032000" cy="420687"/>
         </p:xfrm>
         <a:graphic>
           <a:graphicData uri="http://schemas.openxmlformats.org/presentationml/2006/ole">
             <mc:AlternateContent xmlns:mc="http://schemas.openxmlformats.org/markup-compatibility/2006">
               <mc:Choice xmlns:v="urn:schemas-microsoft-com:vml" Requires="v">
-                <p:oleObj spid="_x0000_s1106" name="Ecuación" r:id="rId16" imgW="1104840" imgH="228600" progId="Equation.3">
+                <p:oleObj spid="_x0000_s1141" name="Ecuación" r:id="rId22" imgW="1104840" imgH="228600" progId="Equation.3">
                   <p:embed/>
                 </p:oleObj>
               </mc:Choice>
               <mc:Fallback>
-                <p:oleObj name="Ecuación" r:id="rId16" imgW="1104840" imgH="228600" progId="Equation.3">
+                <p:oleObj name="Ecuación" r:id="rId22" imgW="1104840" imgH="228600" progId="Equation.3">
                   <p:embed/>
                   <p:pic>
                     <p:nvPicPr>
@@ -3639,7 +3888,7 @@
                       <p:nvPr/>
                     </p:nvPicPr>
                     <p:blipFill>
-                      <a:blip r:embed="rId17">
+                      <a:blip r:embed="rId23">
                         <a:extLst>
                           <a:ext uri="{28A0092B-C50C-407E-A947-70E740481C1C}">
                             <a14:useLocalDpi xmlns:a14="http://schemas.microsoft.com/office/drawing/2010/main" val="0"/>
@@ -3653,7 +3902,7 @@
                     </p:blipFill>
                     <p:spPr bwMode="auto">
                       <a:xfrm>
-                        <a:off x="19185209" y="347514"/>
+                        <a:off x="18753161" y="347514"/>
                         <a:ext cx="2032000" cy="420687"/>
                       </a:xfrm>
                       <a:prstGeom prst="rect">
@@ -3712,12 +3961,12 @@
           <a:graphicData uri="http://schemas.openxmlformats.org/presentationml/2006/ole">
             <mc:AlternateContent xmlns:mc="http://schemas.openxmlformats.org/markup-compatibility/2006">
               <mc:Choice xmlns:v="urn:schemas-microsoft-com:vml" Requires="v">
-                <p:oleObj spid="_x0000_s1107" name="Ecuación" r:id="rId18" imgW="1180800" imgH="228600" progId="Equation.3">
+                <p:oleObj spid="_x0000_s1142" name="Ecuación" r:id="rId24" imgW="1180800" imgH="228600" progId="Equation.3">
                   <p:embed/>
                 </p:oleObj>
               </mc:Choice>
               <mc:Fallback>
-                <p:oleObj name="Ecuación" r:id="rId18" imgW="1180800" imgH="228600" progId="Equation.3">
+                <p:oleObj name="Ecuación" r:id="rId24" imgW="1180800" imgH="228600" progId="Equation.3">
                   <p:embed/>
                   <p:pic>
                     <p:nvPicPr>
@@ -3728,7 +3977,7 @@
                       <p:nvPr/>
                     </p:nvPicPr>
                     <p:blipFill>
-                      <a:blip r:embed="rId19">
+                      <a:blip r:embed="rId25">
                         <a:extLst>
                           <a:ext uri="{28A0092B-C50C-407E-A947-70E740481C1C}">
                             <a14:useLocalDpi xmlns:a14="http://schemas.microsoft.com/office/drawing/2010/main" val="0"/>
@@ -3788,25 +4037,25 @@
           <p:nvPr>
             <p:extLst>
               <p:ext uri="{D42A27DB-BD31-4B8C-83A1-F6EECF244321}">
-                <p14:modId xmlns:p14="http://schemas.microsoft.com/office/powerpoint/2010/main" val="1050437034"/>
+                <p14:modId xmlns:p14="http://schemas.microsoft.com/office/powerpoint/2010/main" val="168317975"/>
               </p:ext>
             </p:extLst>
           </p:nvPr>
         </p:nvGraphicFramePr>
         <p:xfrm>
-          <a:off x="24562072" y="360214"/>
+          <a:off x="24727668" y="360214"/>
           <a:ext cx="2195512" cy="419100"/>
         </p:xfrm>
         <a:graphic>
           <a:graphicData uri="http://schemas.openxmlformats.org/presentationml/2006/ole">
             <mc:AlternateContent xmlns:mc="http://schemas.openxmlformats.org/markup-compatibility/2006">
               <mc:Choice xmlns:v="urn:schemas-microsoft-com:vml" Requires="v">
-                <p:oleObj spid="_x0000_s1108" name="Ecuación" r:id="rId20" imgW="1193760" imgH="228600" progId="Equation.3">
+                <p:oleObj spid="_x0000_s1143" name="Ecuación" r:id="rId26" imgW="1193760" imgH="228600" progId="Equation.3">
                   <p:embed/>
                 </p:oleObj>
               </mc:Choice>
               <mc:Fallback>
-                <p:oleObj name="Ecuación" r:id="rId20" imgW="1193760" imgH="228600" progId="Equation.3">
+                <p:oleObj name="Ecuación" r:id="rId26" imgW="1193760" imgH="228600" progId="Equation.3">
                   <p:embed/>
                   <p:pic>
                     <p:nvPicPr>
@@ -3817,7 +4066,7 @@
                       <p:nvPr/>
                     </p:nvPicPr>
                     <p:blipFill>
-                      <a:blip r:embed="rId21">
+                      <a:blip r:embed="rId27">
                         <a:extLst>
                           <a:ext uri="{28A0092B-C50C-407E-A947-70E740481C1C}">
                             <a14:useLocalDpi xmlns:a14="http://schemas.microsoft.com/office/drawing/2010/main" val="0"/>
@@ -3831,7 +4080,7 @@
                     </p:blipFill>
                     <p:spPr bwMode="auto">
                       <a:xfrm>
-                        <a:off x="24562072" y="360214"/>
+                        <a:off x="24727668" y="360214"/>
                         <a:ext cx="2195512" cy="419100"/>
                       </a:xfrm>
                       <a:prstGeom prst="rect">
@@ -3877,25 +4126,25 @@
           <p:nvPr>
             <p:extLst>
               <p:ext uri="{D42A27DB-BD31-4B8C-83A1-F6EECF244321}">
-                <p14:modId xmlns:p14="http://schemas.microsoft.com/office/powerpoint/2010/main" val="328104801"/>
+                <p14:modId xmlns:p14="http://schemas.microsoft.com/office/powerpoint/2010/main" val="3455377054"/>
               </p:ext>
             </p:extLst>
           </p:nvPr>
         </p:nvGraphicFramePr>
         <p:xfrm>
-          <a:off x="24398559" y="6192689"/>
+          <a:off x="24564155" y="6192689"/>
           <a:ext cx="2522538" cy="419100"/>
         </p:xfrm>
         <a:graphic>
           <a:graphicData uri="http://schemas.openxmlformats.org/presentationml/2006/ole">
             <mc:AlternateContent xmlns:mc="http://schemas.openxmlformats.org/markup-compatibility/2006">
               <mc:Choice xmlns:v="urn:schemas-microsoft-com:vml" Requires="v">
-                <p:oleObj spid="_x0000_s1109" name="Ecuación" r:id="rId22" imgW="1371600" imgH="228600" progId="Equation.3">
+                <p:oleObj spid="_x0000_s1144" name="Ecuación" r:id="rId28" imgW="1371600" imgH="228600" progId="Equation.3">
                   <p:embed/>
                 </p:oleObj>
               </mc:Choice>
               <mc:Fallback>
-                <p:oleObj name="Ecuación" r:id="rId22" imgW="1371600" imgH="228600" progId="Equation.3">
+                <p:oleObj name="Ecuación" r:id="rId28" imgW="1371600" imgH="228600" progId="Equation.3">
                   <p:embed/>
                   <p:pic>
                     <p:nvPicPr>
@@ -3906,7 +4155,7 @@
                       <p:nvPr/>
                     </p:nvPicPr>
                     <p:blipFill>
-                      <a:blip r:embed="rId23">
+                      <a:blip r:embed="rId29">
                         <a:extLst>
                           <a:ext uri="{28A0092B-C50C-407E-A947-70E740481C1C}">
                             <a14:useLocalDpi xmlns:a14="http://schemas.microsoft.com/office/drawing/2010/main" val="0"/>
@@ -3920,7 +4169,7 @@
                     </p:blipFill>
                     <p:spPr bwMode="auto">
                       <a:xfrm>
-                        <a:off x="24398559" y="6192689"/>
+                        <a:off x="24564155" y="6192689"/>
                         <a:ext cx="2522538" cy="419100"/>
                       </a:xfrm>
                       <a:prstGeom prst="rect">
@@ -3979,12 +4228,12 @@
           <a:graphicData uri="http://schemas.openxmlformats.org/presentationml/2006/ole">
             <mc:AlternateContent xmlns:mc="http://schemas.openxmlformats.org/markup-compatibility/2006">
               <mc:Choice xmlns:v="urn:schemas-microsoft-com:vml" Requires="v">
-                <p:oleObj spid="_x0000_s1110" name="Ecuación" r:id="rId24" imgW="1295280" imgH="228600" progId="Equation.3">
+                <p:oleObj spid="_x0000_s1145" name="Ecuación" r:id="rId30" imgW="1295280" imgH="228600" progId="Equation.3">
                   <p:embed/>
                 </p:oleObj>
               </mc:Choice>
               <mc:Fallback>
-                <p:oleObj name="Ecuación" r:id="rId24" imgW="1295280" imgH="228600" progId="Equation.3">
+                <p:oleObj name="Ecuación" r:id="rId30" imgW="1295280" imgH="228600" progId="Equation.3">
                   <p:embed/>
                   <p:pic>
                     <p:nvPicPr>
@@ -3995,7 +4244,7 @@
                       <p:nvPr/>
                     </p:nvPicPr>
                     <p:blipFill>
-                      <a:blip r:embed="rId25">
+                      <a:blip r:embed="rId31">
                         <a:extLst>
                           <a:ext uri="{28A0092B-C50C-407E-A947-70E740481C1C}">
                             <a14:useLocalDpi xmlns:a14="http://schemas.microsoft.com/office/drawing/2010/main" val="0"/>
@@ -4055,25 +4304,25 @@
           <p:nvPr>
             <p:extLst>
               <p:ext uri="{D42A27DB-BD31-4B8C-83A1-F6EECF244321}">
-                <p14:modId xmlns:p14="http://schemas.microsoft.com/office/powerpoint/2010/main" val="1316473166"/>
+                <p14:modId xmlns:p14="http://schemas.microsoft.com/office/powerpoint/2010/main" val="2781104192"/>
               </p:ext>
             </p:extLst>
           </p:nvPr>
         </p:nvGraphicFramePr>
         <p:xfrm>
-          <a:off x="19091547" y="6179989"/>
+          <a:off x="18659499" y="6179989"/>
           <a:ext cx="2219325" cy="420687"/>
         </p:xfrm>
         <a:graphic>
           <a:graphicData uri="http://schemas.openxmlformats.org/presentationml/2006/ole">
             <mc:AlternateContent xmlns:mc="http://schemas.openxmlformats.org/markup-compatibility/2006">
               <mc:Choice xmlns:v="urn:schemas-microsoft-com:vml" Requires="v">
-                <p:oleObj spid="_x0000_s1111" name="Ecuación" r:id="rId26" imgW="1206360" imgH="228600" progId="Equation.3">
+                <p:oleObj spid="_x0000_s1146" name="Ecuación" r:id="rId32" imgW="1206360" imgH="228600" progId="Equation.3">
                   <p:embed/>
                 </p:oleObj>
               </mc:Choice>
               <mc:Fallback>
-                <p:oleObj name="Ecuación" r:id="rId26" imgW="1206360" imgH="228600" progId="Equation.3">
+                <p:oleObj name="Ecuación" r:id="rId32" imgW="1206360" imgH="228600" progId="Equation.3">
                   <p:embed/>
                   <p:pic>
                     <p:nvPicPr>
@@ -4084,7 +4333,7 @@
                       <p:nvPr/>
                     </p:nvPicPr>
                     <p:blipFill>
-                      <a:blip r:embed="rId27">
+                      <a:blip r:embed="rId33">
                         <a:extLst>
                           <a:ext uri="{28A0092B-C50C-407E-A947-70E740481C1C}">
                             <a14:useLocalDpi xmlns:a14="http://schemas.microsoft.com/office/drawing/2010/main" val="0"/>
@@ -4098,91 +4347,8 @@
                     </p:blipFill>
                     <p:spPr bwMode="auto">
                       <a:xfrm>
-                        <a:off x="19091547" y="6179989"/>
+                        <a:off x="18659499" y="6179989"/>
                         <a:ext cx="2219325" cy="420687"/>
-                      </a:xfrm>
-                      <a:prstGeom prst="rect">
-                        <a:avLst/>
-                      </a:prstGeom>
-                      <a:noFill/>
-                      <a:ln>
-                        <a:noFill/>
-                      </a:ln>
-                      <a:extLst>
-                        <a:ext uri="{909E8E84-426E-40DD-AFC4-6F175D3DCCD1}">
-                          <a14:hiddenFill xmlns:a14="http://schemas.microsoft.com/office/drawing/2010/main">
-                            <a:solidFill>
-                              <a:srgbClr val="FFFFFF"/>
-                            </a:solidFill>
-                          </a14:hiddenFill>
-                        </a:ext>
-                        <a:ext uri="{91240B29-F687-4F45-9708-019B960494DF}">
-                          <a14:hiddenLine xmlns:a14="http://schemas.microsoft.com/office/drawing/2010/main" w="9525">
-                            <a:solidFill>
-                              <a:srgbClr val="000000"/>
-                            </a:solidFill>
-                            <a:miter lim="800000"/>
-                            <a:headEnd/>
-                            <a:tailEnd/>
-                          </a14:hiddenLine>
-                        </a:ext>
-                      </a:extLst>
-                    </p:spPr>
-                  </p:pic>
-                </p:oleObj>
-              </mc:Fallback>
-            </mc:AlternateContent>
-          </a:graphicData>
-        </a:graphic>
-      </p:graphicFrame>
-      <p:graphicFrame>
-        <p:nvGraphicFramePr>
-          <p:cNvPr id="18" name="17 Objeto"/>
-          <p:cNvGraphicFramePr>
-            <a:graphicFrameLocks noChangeAspect="1"/>
-          </p:cNvGraphicFramePr>
-          <p:nvPr>
-            <p:extLst>
-              <p:ext uri="{D42A27DB-BD31-4B8C-83A1-F6EECF244321}">
-                <p14:modId xmlns:p14="http://schemas.microsoft.com/office/powerpoint/2010/main" val="2248419605"/>
-              </p:ext>
-            </p:extLst>
-          </p:nvPr>
-        </p:nvGraphicFramePr>
-        <p:xfrm>
-          <a:off x="13762955" y="995586"/>
-          <a:ext cx="2406650" cy="795337"/>
-        </p:xfrm>
-        <a:graphic>
-          <a:graphicData uri="http://schemas.openxmlformats.org/presentationml/2006/ole">
-            <mc:AlternateContent xmlns:mc="http://schemas.openxmlformats.org/markup-compatibility/2006">
-              <mc:Choice xmlns:v="urn:schemas-microsoft-com:vml" Requires="v">
-                <p:oleObj spid="_x0000_s1112" name="Ecuación" r:id="rId28" imgW="1307880" imgH="431640" progId="Equation.3">
-                  <p:embed/>
-                </p:oleObj>
-              </mc:Choice>
-              <mc:Fallback>
-                <p:oleObj name="Ecuación" r:id="rId28" imgW="1307880" imgH="431640" progId="Equation.3">
-                  <p:embed/>
-                  <p:pic>
-                    <p:nvPicPr>
-                      <p:cNvPr id="0" name="6 Objeto"/>
-                      <p:cNvPicPr>
-                        <a:picLocks noChangeAspect="1" noChangeArrowheads="1"/>
-                      </p:cNvPicPr>
-                      <p:nvPr/>
-                    </p:nvPicPr>
-                    <p:blipFill>
-                      <a:blip r:embed="rId29"/>
-                      <a:srcRect/>
-                      <a:stretch>
-                        <a:fillRect/>
-                      </a:stretch>
-                    </p:blipFill>
-                    <p:spPr bwMode="auto">
-                      <a:xfrm>
-                        <a:off x="13762955" y="995586"/>
-                        <a:ext cx="2406650" cy="795337"/>
                       </a:xfrm>
                       <a:prstGeom prst="rect">
                         <a:avLst/>
@@ -4227,25 +4393,25 @@
           <p:nvPr>
             <p:extLst>
               <p:ext uri="{D42A27DB-BD31-4B8C-83A1-F6EECF244321}">
-                <p14:modId xmlns:p14="http://schemas.microsoft.com/office/powerpoint/2010/main" val="3926620795"/>
+                <p14:modId xmlns:p14="http://schemas.microsoft.com/office/powerpoint/2010/main" val="2468498124"/>
               </p:ext>
             </p:extLst>
           </p:nvPr>
         </p:nvGraphicFramePr>
         <p:xfrm>
-          <a:off x="16520814" y="635546"/>
-          <a:ext cx="2498725" cy="1217612"/>
+          <a:off x="17208474" y="5820122"/>
+          <a:ext cx="442913" cy="374650"/>
         </p:xfrm>
         <a:graphic>
           <a:graphicData uri="http://schemas.openxmlformats.org/presentationml/2006/ole">
             <mc:AlternateContent xmlns:mc="http://schemas.openxmlformats.org/markup-compatibility/2006">
               <mc:Choice xmlns:v="urn:schemas-microsoft-com:vml" Requires="v">
-                <p:oleObj spid="_x0000_s1113" name="Ecuación" r:id="rId30" imgW="1358640" imgH="660240" progId="Equation.3">
+                <p:oleObj spid="_x0000_s1147" name="Ecuación" r:id="rId34" imgW="241200" imgH="203040" progId="Equation.3">
                   <p:embed/>
                 </p:oleObj>
               </mc:Choice>
               <mc:Fallback>
-                <p:oleObj name="Ecuación" r:id="rId30" imgW="1358640" imgH="660240" progId="Equation.3">
+                <p:oleObj name="Ecuación" r:id="rId34" imgW="241200" imgH="203040" progId="Equation.3">
                   <p:embed/>
                   <p:pic>
                     <p:nvPicPr>
@@ -4256,7 +4422,7 @@
                       <p:nvPr/>
                     </p:nvPicPr>
                     <p:blipFill>
-                      <a:blip r:embed="rId31"/>
+                      <a:blip r:embed="rId35"/>
                       <a:srcRect/>
                       <a:stretch>
                         <a:fillRect/>
@@ -4264,186 +4430,8 @@
                     </p:blipFill>
                     <p:spPr bwMode="auto">
                       <a:xfrm>
-                        <a:off x="16520814" y="635546"/>
-                        <a:ext cx="2498725" cy="1217612"/>
-                      </a:xfrm>
-                      <a:prstGeom prst="rect">
-                        <a:avLst/>
-                      </a:prstGeom>
-                      <a:noFill/>
-                      <a:ln>
-                        <a:noFill/>
-                      </a:ln>
-                      <a:extLst>
-                        <a:ext uri="{909E8E84-426E-40DD-AFC4-6F175D3DCCD1}">
-                          <a14:hiddenFill xmlns:a14="http://schemas.microsoft.com/office/drawing/2010/main">
-                            <a:solidFill>
-                              <a:srgbClr val="FFFFFF"/>
-                            </a:solidFill>
-                          </a14:hiddenFill>
-                        </a:ext>
-                        <a:ext uri="{91240B29-F687-4F45-9708-019B960494DF}">
-                          <a14:hiddenLine xmlns:a14="http://schemas.microsoft.com/office/drawing/2010/main" w="9525">
-                            <a:solidFill>
-                              <a:srgbClr val="000000"/>
-                            </a:solidFill>
-                            <a:miter lim="800000"/>
-                            <a:headEnd/>
-                            <a:tailEnd/>
-                          </a14:hiddenLine>
-                        </a:ext>
-                      </a:extLst>
-                    </p:spPr>
-                  </p:pic>
-                </p:oleObj>
-              </mc:Fallback>
-            </mc:AlternateContent>
-          </a:graphicData>
-        </a:graphic>
-      </p:graphicFrame>
-      <p:graphicFrame>
-        <p:nvGraphicFramePr>
-          <p:cNvPr id="20" name="19 Objeto"/>
-          <p:cNvGraphicFramePr>
-            <a:graphicFrameLocks noChangeAspect="1"/>
-          </p:cNvGraphicFramePr>
-          <p:nvPr>
-            <p:extLst>
-              <p:ext uri="{D42A27DB-BD31-4B8C-83A1-F6EECF244321}">
-                <p14:modId xmlns:p14="http://schemas.microsoft.com/office/powerpoint/2010/main" val="46040454"/>
-              </p:ext>
-            </p:extLst>
-          </p:nvPr>
-        </p:nvGraphicFramePr>
-        <p:xfrm>
-          <a:off x="1598340" y="1051521"/>
-          <a:ext cx="1074738" cy="374650"/>
-        </p:xfrm>
-        <a:graphic>
-          <a:graphicData uri="http://schemas.openxmlformats.org/presentationml/2006/ole">
-            <mc:AlternateContent xmlns:mc="http://schemas.openxmlformats.org/markup-compatibility/2006">
-              <mc:Choice xmlns:v="urn:schemas-microsoft-com:vml" Requires="v">
-                <p:oleObj spid="_x0000_s1114" name="Ecuación" r:id="rId32" imgW="583920" imgH="203040" progId="Equation.3">
-                  <p:embed/>
-                </p:oleObj>
-              </mc:Choice>
-              <mc:Fallback>
-                <p:oleObj name="Ecuación" r:id="rId32" imgW="583920" imgH="203040" progId="Equation.3">
-                  <p:embed/>
-                  <p:pic>
-                    <p:nvPicPr>
-                      <p:cNvPr id="0" name="17 Objeto"/>
-                      <p:cNvPicPr>
-                        <a:picLocks noChangeAspect="1" noChangeArrowheads="1"/>
-                      </p:cNvPicPr>
-                      <p:nvPr/>
-                    </p:nvPicPr>
-                    <p:blipFill>
-                      <a:blip r:embed="rId33">
-                        <a:extLst>
-                          <a:ext uri="{28A0092B-C50C-407E-A947-70E740481C1C}">
-                            <a14:useLocalDpi xmlns:a14="http://schemas.microsoft.com/office/drawing/2010/main" val="0"/>
-                          </a:ext>
-                        </a:extLst>
-                      </a:blip>
-                      <a:srcRect/>
-                      <a:stretch>
-                        <a:fillRect/>
-                      </a:stretch>
-                    </p:blipFill>
-                    <p:spPr bwMode="auto">
-                      <a:xfrm>
-                        <a:off x="1598340" y="1051521"/>
-                        <a:ext cx="1074738" cy="374650"/>
-                      </a:xfrm>
-                      <a:prstGeom prst="rect">
-                        <a:avLst/>
-                      </a:prstGeom>
-                      <a:noFill/>
-                      <a:ln>
-                        <a:noFill/>
-                      </a:ln>
-                      <a:extLst>
-                        <a:ext uri="{909E8E84-426E-40DD-AFC4-6F175D3DCCD1}">
-                          <a14:hiddenFill xmlns:a14="http://schemas.microsoft.com/office/drawing/2010/main">
-                            <a:solidFill>
-                              <a:srgbClr val="FFFFFF"/>
-                            </a:solidFill>
-                          </a14:hiddenFill>
-                        </a:ext>
-                        <a:ext uri="{91240B29-F687-4F45-9708-019B960494DF}">
-                          <a14:hiddenLine xmlns:a14="http://schemas.microsoft.com/office/drawing/2010/main" w="9525">
-                            <a:solidFill>
-                              <a:srgbClr val="000000"/>
-                            </a:solidFill>
-                            <a:miter lim="800000"/>
-                            <a:headEnd/>
-                            <a:tailEnd/>
-                          </a14:hiddenLine>
-                        </a:ext>
-                      </a:extLst>
-                    </p:spPr>
-                  </p:pic>
-                </p:oleObj>
-              </mc:Fallback>
-            </mc:AlternateContent>
-          </a:graphicData>
-        </a:graphic>
-      </p:graphicFrame>
-      <p:graphicFrame>
-        <p:nvGraphicFramePr>
-          <p:cNvPr id="21" name="20 Objeto"/>
-          <p:cNvGraphicFramePr>
-            <a:graphicFrameLocks noChangeAspect="1"/>
-          </p:cNvGraphicFramePr>
-          <p:nvPr>
-            <p:extLst>
-              <p:ext uri="{D42A27DB-BD31-4B8C-83A1-F6EECF244321}">
-                <p14:modId xmlns:p14="http://schemas.microsoft.com/office/powerpoint/2010/main" val="1286582617"/>
-              </p:ext>
-            </p:extLst>
-          </p:nvPr>
-        </p:nvGraphicFramePr>
-        <p:xfrm>
-          <a:off x="3393803" y="894358"/>
-          <a:ext cx="2476500" cy="749300"/>
-        </p:xfrm>
-        <a:graphic>
-          <a:graphicData uri="http://schemas.openxmlformats.org/presentationml/2006/ole">
-            <mc:AlternateContent xmlns:mc="http://schemas.openxmlformats.org/markup-compatibility/2006">
-              <mc:Choice xmlns:v="urn:schemas-microsoft-com:vml" Requires="v">
-                <p:oleObj spid="_x0000_s1115" name="Ecuación" r:id="rId34" imgW="1346040" imgH="406080" progId="Equation.3">
-                  <p:embed/>
-                </p:oleObj>
-              </mc:Choice>
-              <mc:Fallback>
-                <p:oleObj name="Ecuación" r:id="rId34" imgW="1346040" imgH="406080" progId="Equation.3">
-                  <p:embed/>
-                  <p:pic>
-                    <p:nvPicPr>
-                      <p:cNvPr id="0" name="18 Objeto"/>
-                      <p:cNvPicPr>
-                        <a:picLocks noChangeAspect="1" noChangeArrowheads="1"/>
-                      </p:cNvPicPr>
-                      <p:nvPr/>
-                    </p:nvPicPr>
-                    <p:blipFill>
-                      <a:blip r:embed="rId35">
-                        <a:extLst>
-                          <a:ext uri="{28A0092B-C50C-407E-A947-70E740481C1C}">
-                            <a14:useLocalDpi xmlns:a14="http://schemas.microsoft.com/office/drawing/2010/main" val="0"/>
-                          </a:ext>
-                        </a:extLst>
-                      </a:blip>
-                      <a:srcRect/>
-                      <a:stretch>
-                        <a:fillRect/>
-                      </a:stretch>
-                    </p:blipFill>
-                    <p:spPr bwMode="auto">
-                      <a:xfrm>
-                        <a:off x="3393803" y="894358"/>
-                        <a:ext cx="2476500" cy="749300"/>
+                        <a:off x="17208474" y="5820122"/>
+                        <a:ext cx="442913" cy="374650"/>
                       </a:xfrm>
                       <a:prstGeom prst="rect">
                         <a:avLst/>
